--- a/slides/pyspark/dataframes_slides/dataFrames_transformations_groupby.pptx
+++ b/slides/pyspark/dataframes_slides/dataFrames_transformations_groupby.pptx
@@ -5,10 +5,10 @@
     <p:sldMasterId id="2147483677" r:id="rId1"/>
   </p:sldMasterIdLst>
   <p:notesMasterIdLst>
-    <p:notesMasterId r:id="rId25"/>
+    <p:notesMasterId r:id="rId27"/>
   </p:notesMasterIdLst>
   <p:handoutMasterIdLst>
-    <p:handoutMasterId r:id="rId26"/>
+    <p:handoutMasterId r:id="rId28"/>
   </p:handoutMasterIdLst>
   <p:sldIdLst>
     <p:sldId id="265" r:id="rId2"/>
@@ -33,7 +33,9 @@
     <p:sldId id="395" r:id="rId21"/>
     <p:sldId id="396" r:id="rId22"/>
     <p:sldId id="397" r:id="rId23"/>
-    <p:sldId id="398" r:id="rId24"/>
+    <p:sldId id="400" r:id="rId24"/>
+    <p:sldId id="401" r:id="rId25"/>
+    <p:sldId id="398" r:id="rId26"/>
   </p:sldIdLst>
   <p:sldSz cx="9144000" cy="5143500" type="screen16x9"/>
   <p:notesSz cx="6858000" cy="9144000"/>
@@ -539,7 +541,7 @@
           <a:p>
             <a:fld id="{B9BF1A25-DA02-B94D-83E7-38F452A4DD0B}" type="datetimeFigureOut">
               <a:rPr lang="en-US" smtClean="0"/>
-              <a:t>5/24/22</a:t>
+              <a:t>11/8/22</a:t>
             </a:fld>
             <a:endParaRPr lang="en-US" dirty="0"/>
           </a:p>
@@ -705,7 +707,7 @@
           <a:p>
             <a:fld id="{773D608E-326B-064D-8838-D0E4D51BA537}" type="datetimeFigureOut">
               <a:rPr lang="en-US" smtClean="0"/>
-              <a:t>5/24/22</a:t>
+              <a:t>11/8/22</a:t>
             </a:fld>
             <a:endParaRPr lang="en-US" dirty="0"/>
           </a:p>
@@ -13235,6 +13237,724 @@
           <a:lstStyle/>
           <a:p>
             <a:r>
+              <a:rPr lang="en-US" sz="2400" dirty="0" err="1"/>
+              <a:t>DataFrame</a:t>
+            </a:r>
+            <a:r>
+              <a:rPr lang="en-US" sz="2400" dirty="0"/>
+              <a:t> Transformation: GROUP BY : Example</a:t>
+            </a:r>
+          </a:p>
+        </p:txBody>
+      </p:sp>
+      <p:sp>
+        <p:nvSpPr>
+          <p:cNvPr id="3" name="Content Placeholder 2"/>
+          <p:cNvSpPr>
+            <a:spLocks noGrp="1"/>
+          </p:cNvSpPr>
+          <p:nvPr>
+            <p:ph idx="1"/>
+          </p:nvPr>
+        </p:nvSpPr>
+        <p:spPr>
+          <a:xfrm>
+            <a:off x="628650" y="511278"/>
+            <a:ext cx="7956550" cy="4632222"/>
+          </a:xfrm>
+        </p:spPr>
+        <p:txBody>
+          <a:bodyPr>
+            <a:normAutofit fontScale="70000" lnSpcReduction="20000"/>
+          </a:bodyPr>
+          <a:lstStyle/>
+          <a:p>
+            <a:pPr marL="0" indent="0" fontAlgn="base">
+              <a:buNone/>
+            </a:pPr>
+            <a:r>
+              <a:rPr lang="en-US" dirty="0">
+                <a:latin typeface="Courier New" panose="02070309020205020404" pitchFamily="49" charset="0"/>
+                <a:cs typeface="Courier New" panose="02070309020205020404" pitchFamily="49" charset="0"/>
+              </a:rPr>
+              <a:t>&gt;&gt;&gt; d = [('A', 2), ('A', 3), ('A', 4), ('A', 60), ('B', 4), ('B', 40), ('B', 45), ('B', 90)]</a:t>
+            </a:r>
+          </a:p>
+          <a:p>
+            <a:pPr marL="0" indent="0" fontAlgn="base">
+              <a:buNone/>
+            </a:pPr>
+            <a:r>
+              <a:rPr lang="en-US" dirty="0">
+                <a:latin typeface="Courier New" panose="02070309020205020404" pitchFamily="49" charset="0"/>
+                <a:cs typeface="Courier New" panose="02070309020205020404" pitchFamily="49" charset="0"/>
+              </a:rPr>
+              <a:t>&gt;&gt;&gt; </a:t>
+            </a:r>
+            <a:r>
+              <a:rPr lang="en-US" dirty="0" err="1">
+                <a:latin typeface="Courier New" panose="02070309020205020404" pitchFamily="49" charset="0"/>
+                <a:cs typeface="Courier New" panose="02070309020205020404" pitchFamily="49" charset="0"/>
+              </a:rPr>
+              <a:t>df</a:t>
+            </a:r>
+            <a:r>
+              <a:rPr lang="en-US" dirty="0">
+                <a:latin typeface="Courier New" panose="02070309020205020404" pitchFamily="49" charset="0"/>
+                <a:cs typeface="Courier New" panose="02070309020205020404" pitchFamily="49" charset="0"/>
+              </a:rPr>
+              <a:t> = </a:t>
+            </a:r>
+            <a:r>
+              <a:rPr lang="en-US" dirty="0" err="1">
+                <a:latin typeface="Courier New" panose="02070309020205020404" pitchFamily="49" charset="0"/>
+                <a:cs typeface="Courier New" panose="02070309020205020404" pitchFamily="49" charset="0"/>
+              </a:rPr>
+              <a:t>spark.createDataFrame</a:t>
+            </a:r>
+            <a:r>
+              <a:rPr lang="en-US" dirty="0">
+                <a:latin typeface="Courier New" panose="02070309020205020404" pitchFamily="49" charset="0"/>
+                <a:cs typeface="Courier New" panose="02070309020205020404" pitchFamily="49" charset="0"/>
+              </a:rPr>
+              <a:t>(d, ['dept', 'age'])</a:t>
+            </a:r>
+          </a:p>
+          <a:p>
+            <a:pPr marL="0" indent="0" fontAlgn="base">
+              <a:buNone/>
+            </a:pPr>
+            <a:r>
+              <a:rPr lang="en-US" dirty="0">
+                <a:latin typeface="Courier New" panose="02070309020205020404" pitchFamily="49" charset="0"/>
+                <a:cs typeface="Courier New" panose="02070309020205020404" pitchFamily="49" charset="0"/>
+              </a:rPr>
+              <a:t>&gt;&gt;&gt; </a:t>
+            </a:r>
+            <a:r>
+              <a:rPr lang="en-US" dirty="0" err="1">
+                <a:latin typeface="Courier New" panose="02070309020205020404" pitchFamily="49" charset="0"/>
+                <a:cs typeface="Courier New" panose="02070309020205020404" pitchFamily="49" charset="0"/>
+              </a:rPr>
+              <a:t>df.show</a:t>
+            </a:r>
+            <a:r>
+              <a:rPr lang="en-US" dirty="0">
+                <a:latin typeface="Courier New" panose="02070309020205020404" pitchFamily="49" charset="0"/>
+                <a:cs typeface="Courier New" panose="02070309020205020404" pitchFamily="49" charset="0"/>
+              </a:rPr>
+              <a:t>()</a:t>
+            </a:r>
+          </a:p>
+          <a:p>
+            <a:pPr marL="0" indent="0" fontAlgn="base">
+              <a:buNone/>
+            </a:pPr>
+            <a:r>
+              <a:rPr lang="en-US" dirty="0">
+                <a:latin typeface="Courier New" panose="02070309020205020404" pitchFamily="49" charset="0"/>
+                <a:cs typeface="Courier New" panose="02070309020205020404" pitchFamily="49" charset="0"/>
+              </a:rPr>
+              <a:t>+----+---+</a:t>
+            </a:r>
+          </a:p>
+          <a:p>
+            <a:pPr marL="0" indent="0" fontAlgn="base">
+              <a:buNone/>
+            </a:pPr>
+            <a:r>
+              <a:rPr lang="en-US" dirty="0">
+                <a:latin typeface="Courier New" panose="02070309020205020404" pitchFamily="49" charset="0"/>
+                <a:cs typeface="Courier New" panose="02070309020205020404" pitchFamily="49" charset="0"/>
+              </a:rPr>
+              <a:t>|</a:t>
+            </a:r>
+            <a:r>
+              <a:rPr lang="en-US" dirty="0" err="1">
+                <a:latin typeface="Courier New" panose="02070309020205020404" pitchFamily="49" charset="0"/>
+                <a:cs typeface="Courier New" panose="02070309020205020404" pitchFamily="49" charset="0"/>
+              </a:rPr>
+              <a:t>dept|age</a:t>
+            </a:r>
+            <a:r>
+              <a:rPr lang="en-US" dirty="0">
+                <a:latin typeface="Courier New" panose="02070309020205020404" pitchFamily="49" charset="0"/>
+                <a:cs typeface="Courier New" panose="02070309020205020404" pitchFamily="49" charset="0"/>
+              </a:rPr>
+              <a:t>|</a:t>
+            </a:r>
+          </a:p>
+          <a:p>
+            <a:pPr marL="0" indent="0" fontAlgn="base">
+              <a:buNone/>
+            </a:pPr>
+            <a:r>
+              <a:rPr lang="en-US" dirty="0">
+                <a:latin typeface="Courier New" panose="02070309020205020404" pitchFamily="49" charset="0"/>
+                <a:cs typeface="Courier New" panose="02070309020205020404" pitchFamily="49" charset="0"/>
+              </a:rPr>
+              <a:t>+----+---+</a:t>
+            </a:r>
+          </a:p>
+          <a:p>
+            <a:pPr marL="0" indent="0" fontAlgn="base">
+              <a:buNone/>
+            </a:pPr>
+            <a:r>
+              <a:rPr lang="en-US" dirty="0">
+                <a:latin typeface="Courier New" panose="02070309020205020404" pitchFamily="49" charset="0"/>
+                <a:cs typeface="Courier New" panose="02070309020205020404" pitchFamily="49" charset="0"/>
+              </a:rPr>
+              <a:t>|   A|  2|</a:t>
+            </a:r>
+          </a:p>
+          <a:p>
+            <a:pPr marL="0" indent="0" fontAlgn="base">
+              <a:buNone/>
+            </a:pPr>
+            <a:r>
+              <a:rPr lang="en-US" dirty="0">
+                <a:latin typeface="Courier New" panose="02070309020205020404" pitchFamily="49" charset="0"/>
+                <a:cs typeface="Courier New" panose="02070309020205020404" pitchFamily="49" charset="0"/>
+              </a:rPr>
+              <a:t>|   A|  3|</a:t>
+            </a:r>
+          </a:p>
+          <a:p>
+            <a:pPr marL="0" indent="0" fontAlgn="base">
+              <a:buNone/>
+            </a:pPr>
+            <a:r>
+              <a:rPr lang="en-US" dirty="0">
+                <a:latin typeface="Courier New" panose="02070309020205020404" pitchFamily="49" charset="0"/>
+                <a:cs typeface="Courier New" panose="02070309020205020404" pitchFamily="49" charset="0"/>
+              </a:rPr>
+              <a:t>|   A|  4|</a:t>
+            </a:r>
+          </a:p>
+          <a:p>
+            <a:pPr marL="0" indent="0" fontAlgn="base">
+              <a:buNone/>
+            </a:pPr>
+            <a:r>
+              <a:rPr lang="en-US" dirty="0">
+                <a:latin typeface="Courier New" panose="02070309020205020404" pitchFamily="49" charset="0"/>
+                <a:cs typeface="Courier New" panose="02070309020205020404" pitchFamily="49" charset="0"/>
+              </a:rPr>
+              <a:t>|   A| 60|</a:t>
+            </a:r>
+          </a:p>
+          <a:p>
+            <a:pPr marL="0" indent="0" fontAlgn="base">
+              <a:buNone/>
+            </a:pPr>
+            <a:r>
+              <a:rPr lang="en-US" dirty="0">
+                <a:latin typeface="Courier New" panose="02070309020205020404" pitchFamily="49" charset="0"/>
+                <a:cs typeface="Courier New" panose="02070309020205020404" pitchFamily="49" charset="0"/>
+              </a:rPr>
+              <a:t>|   B|  4|</a:t>
+            </a:r>
+          </a:p>
+          <a:p>
+            <a:pPr marL="0" indent="0" fontAlgn="base">
+              <a:buNone/>
+            </a:pPr>
+            <a:r>
+              <a:rPr lang="en-US" dirty="0">
+                <a:latin typeface="Courier New" panose="02070309020205020404" pitchFamily="49" charset="0"/>
+                <a:cs typeface="Courier New" panose="02070309020205020404" pitchFamily="49" charset="0"/>
+              </a:rPr>
+              <a:t>|   B| 40|</a:t>
+            </a:r>
+          </a:p>
+          <a:p>
+            <a:pPr marL="0" indent="0" fontAlgn="base">
+              <a:buNone/>
+            </a:pPr>
+            <a:r>
+              <a:rPr lang="en-US" dirty="0">
+                <a:latin typeface="Courier New" panose="02070309020205020404" pitchFamily="49" charset="0"/>
+                <a:cs typeface="Courier New" panose="02070309020205020404" pitchFamily="49" charset="0"/>
+              </a:rPr>
+              <a:t>|   B| 45|</a:t>
+            </a:r>
+          </a:p>
+          <a:p>
+            <a:pPr marL="0" indent="0" fontAlgn="base">
+              <a:buNone/>
+            </a:pPr>
+            <a:r>
+              <a:rPr lang="en-US" dirty="0">
+                <a:latin typeface="Courier New" panose="02070309020205020404" pitchFamily="49" charset="0"/>
+                <a:cs typeface="Courier New" panose="02070309020205020404" pitchFamily="49" charset="0"/>
+              </a:rPr>
+              <a:t>|   B| 90|</a:t>
+            </a:r>
+          </a:p>
+          <a:p>
+            <a:pPr marL="0" indent="0" fontAlgn="base">
+              <a:buNone/>
+            </a:pPr>
+            <a:r>
+              <a:rPr lang="en-US" dirty="0">
+                <a:latin typeface="Courier New" panose="02070309020205020404" pitchFamily="49" charset="0"/>
+                <a:cs typeface="Courier New" panose="02070309020205020404" pitchFamily="49" charset="0"/>
+              </a:rPr>
+              <a:t>+----+---+</a:t>
+            </a:r>
+          </a:p>
+          <a:p>
+            <a:pPr marL="0" indent="0" fontAlgn="base">
+              <a:buNone/>
+            </a:pPr>
+            <a:endParaRPr lang="en-US" dirty="0"/>
+          </a:p>
+          <a:p>
+            <a:pPr marL="0" indent="0" fontAlgn="base">
+              <a:buNone/>
+            </a:pPr>
+            <a:endParaRPr lang="en-US" dirty="0">
+              <a:latin typeface="Courier" pitchFamily="2" charset="0"/>
+            </a:endParaRPr>
+          </a:p>
+        </p:txBody>
+      </p:sp>
+      <p:sp>
+        <p:nvSpPr>
+          <p:cNvPr id="5" name="Slide Number Placeholder 4"/>
+          <p:cNvSpPr>
+            <a:spLocks noGrp="1"/>
+          </p:cNvSpPr>
+          <p:nvPr>
+            <p:ph type="sldNum" sz="quarter" idx="4294967295"/>
+          </p:nvPr>
+        </p:nvSpPr>
+        <p:spPr>
+          <a:xfrm>
+            <a:off x="8585200" y="4786313"/>
+            <a:ext cx="558800" cy="273050"/>
+          </a:xfrm>
+          <a:prstGeom prst="rect">
+            <a:avLst/>
+          </a:prstGeom>
+        </p:spPr>
+        <p:txBody>
+          <a:bodyPr/>
+          <a:lstStyle/>
+          <a:p>
+            <a:fld id="{40D15546-3768-674C-81B9-C40A1A080E88}" type="slidenum">
+              <a:rPr lang="en-US" smtClean="0"/>
+              <a:pPr/>
+              <a:t>23</a:t>
+            </a:fld>
+            <a:endParaRPr lang="en-US" dirty="0"/>
+          </a:p>
+        </p:txBody>
+      </p:sp>
+    </p:spTree>
+    <p:extLst>
+      <p:ext uri="{BB962C8B-B14F-4D97-AF65-F5344CB8AC3E}">
+        <p14:creationId xmlns:p14="http://schemas.microsoft.com/office/powerpoint/2010/main" val="1640949092"/>
+      </p:ext>
+    </p:extLst>
+  </p:cSld>
+  <p:clrMapOvr>
+    <a:masterClrMapping/>
+  </p:clrMapOvr>
+</p:sld>
+</file>
+
+<file path=ppt/slides/slide24.xml><?xml version="1.0" encoding="utf-8"?>
+<p:sld xmlns:a="http://schemas.openxmlformats.org/drawingml/2006/main" xmlns:r="http://schemas.openxmlformats.org/officeDocument/2006/relationships" xmlns:p="http://schemas.openxmlformats.org/presentationml/2006/main">
+  <p:cSld>
+    <p:spTree>
+      <p:nvGrpSpPr>
+        <p:cNvPr id="1" name=""/>
+        <p:cNvGrpSpPr/>
+        <p:nvPr/>
+      </p:nvGrpSpPr>
+      <p:grpSpPr>
+        <a:xfrm>
+          <a:off x="0" y="0"/>
+          <a:ext cx="0" cy="0"/>
+          <a:chOff x="0" y="0"/>
+          <a:chExt cx="0" cy="0"/>
+        </a:xfrm>
+      </p:grpSpPr>
+      <p:sp>
+        <p:nvSpPr>
+          <p:cNvPr id="2" name="Title 1"/>
+          <p:cNvSpPr>
+            <a:spLocks noGrp="1"/>
+          </p:cNvSpPr>
+          <p:nvPr>
+            <p:ph type="title"/>
+          </p:nvPr>
+        </p:nvSpPr>
+        <p:spPr>
+          <a:xfrm>
+            <a:off x="628650" y="168377"/>
+            <a:ext cx="7886700" cy="342900"/>
+          </a:xfrm>
+        </p:spPr>
+        <p:txBody>
+          <a:bodyPr>
+            <a:noAutofit/>
+          </a:bodyPr>
+          <a:lstStyle/>
+          <a:p>
+            <a:r>
+              <a:rPr lang="en-US" sz="2400" dirty="0" err="1"/>
+              <a:t>DataFrame</a:t>
+            </a:r>
+            <a:r>
+              <a:rPr lang="en-US" sz="2400" dirty="0"/>
+              <a:t> Transformation: GROUP BY : Example</a:t>
+            </a:r>
+          </a:p>
+        </p:txBody>
+      </p:sp>
+      <p:sp>
+        <p:nvSpPr>
+          <p:cNvPr id="3" name="Content Placeholder 2"/>
+          <p:cNvSpPr>
+            <a:spLocks noGrp="1"/>
+          </p:cNvSpPr>
+          <p:nvPr>
+            <p:ph idx="1"/>
+          </p:nvPr>
+        </p:nvSpPr>
+        <p:spPr>
+          <a:xfrm>
+            <a:off x="628650" y="511278"/>
+            <a:ext cx="7956550" cy="4632222"/>
+          </a:xfrm>
+        </p:spPr>
+        <p:txBody>
+          <a:bodyPr>
+            <a:normAutofit lnSpcReduction="10000"/>
+          </a:bodyPr>
+          <a:lstStyle/>
+          <a:p>
+            <a:pPr marL="0" indent="0" fontAlgn="base">
+              <a:buNone/>
+            </a:pPr>
+            <a:r>
+              <a:rPr lang="en-US" dirty="0">
+                <a:latin typeface="Courier New" panose="02070309020205020404" pitchFamily="49" charset="0"/>
+                <a:cs typeface="Courier New" panose="02070309020205020404" pitchFamily="49" charset="0"/>
+              </a:rPr>
+              <a:t>&gt;&gt;&gt; from </a:t>
+            </a:r>
+            <a:r>
+              <a:rPr lang="en-US" dirty="0" err="1">
+                <a:latin typeface="Courier New" panose="02070309020205020404" pitchFamily="49" charset="0"/>
+                <a:cs typeface="Courier New" panose="02070309020205020404" pitchFamily="49" charset="0"/>
+              </a:rPr>
+              <a:t>pyspark.sql.functions</a:t>
+            </a:r>
+            <a:r>
+              <a:rPr lang="en-US" dirty="0">
+                <a:latin typeface="Courier New" panose="02070309020205020404" pitchFamily="49" charset="0"/>
+                <a:cs typeface="Courier New" panose="02070309020205020404" pitchFamily="49" charset="0"/>
+              </a:rPr>
+              <a:t> import max, min</a:t>
+            </a:r>
+          </a:p>
+          <a:p>
+            <a:pPr marL="0" indent="0" fontAlgn="base">
+              <a:buNone/>
+            </a:pPr>
+            <a:r>
+              <a:rPr lang="en-US" dirty="0">
+                <a:latin typeface="Courier New" panose="02070309020205020404" pitchFamily="49" charset="0"/>
+                <a:cs typeface="Courier New" panose="02070309020205020404" pitchFamily="49" charset="0"/>
+              </a:rPr>
+              <a:t>&gt;&gt;&gt; df2 = </a:t>
+            </a:r>
+            <a:r>
+              <a:rPr lang="en-US" dirty="0" err="1">
+                <a:latin typeface="Courier New" panose="02070309020205020404" pitchFamily="49" charset="0"/>
+                <a:cs typeface="Courier New" panose="02070309020205020404" pitchFamily="49" charset="0"/>
+              </a:rPr>
+              <a:t>df.groupBy</a:t>
+            </a:r>
+            <a:r>
+              <a:rPr lang="en-US" dirty="0">
+                <a:latin typeface="Courier New" panose="02070309020205020404" pitchFamily="49" charset="0"/>
+                <a:cs typeface="Courier New" panose="02070309020205020404" pitchFamily="49" charset="0"/>
+              </a:rPr>
+              <a:t>("dept").</a:t>
+            </a:r>
+            <a:r>
+              <a:rPr lang="en-US" dirty="0" err="1">
+                <a:latin typeface="Courier New" panose="02070309020205020404" pitchFamily="49" charset="0"/>
+                <a:cs typeface="Courier New" panose="02070309020205020404" pitchFamily="49" charset="0"/>
+              </a:rPr>
+              <a:t>agg</a:t>
+            </a:r>
+            <a:r>
+              <a:rPr lang="en-US" dirty="0">
+                <a:latin typeface="Courier New" panose="02070309020205020404" pitchFamily="49" charset="0"/>
+                <a:cs typeface="Courier New" panose="02070309020205020404" pitchFamily="49" charset="0"/>
+              </a:rPr>
+              <a:t>(  </a:t>
+            </a:r>
+          </a:p>
+          <a:p>
+            <a:pPr marL="0" indent="0" fontAlgn="base">
+              <a:buNone/>
+            </a:pPr>
+            <a:r>
+              <a:rPr lang="en-US" dirty="0">
+                <a:latin typeface="Courier New" panose="02070309020205020404" pitchFamily="49" charset="0"/>
+                <a:cs typeface="Courier New" panose="02070309020205020404" pitchFamily="49" charset="0"/>
+              </a:rPr>
+              <a:t>  min("age").alias('</a:t>
+            </a:r>
+            <a:r>
+              <a:rPr lang="en-US" dirty="0" err="1">
+                <a:latin typeface="Courier New" panose="02070309020205020404" pitchFamily="49" charset="0"/>
+                <a:cs typeface="Courier New" panose="02070309020205020404" pitchFamily="49" charset="0"/>
+              </a:rPr>
+              <a:t>min_age</a:t>
+            </a:r>
+            <a:r>
+              <a:rPr lang="en-US" dirty="0">
+                <a:latin typeface="Courier New" panose="02070309020205020404" pitchFamily="49" charset="0"/>
+                <a:cs typeface="Courier New" panose="02070309020205020404" pitchFamily="49" charset="0"/>
+              </a:rPr>
+              <a:t>'),</a:t>
+            </a:r>
+          </a:p>
+          <a:p>
+            <a:pPr marL="0" indent="0" fontAlgn="base">
+              <a:buNone/>
+            </a:pPr>
+            <a:r>
+              <a:rPr lang="en-US" dirty="0">
+                <a:latin typeface="Courier New" panose="02070309020205020404" pitchFamily="49" charset="0"/>
+                <a:cs typeface="Courier New" panose="02070309020205020404" pitchFamily="49" charset="0"/>
+              </a:rPr>
+              <a:t>  max("age").alias('</a:t>
+            </a:r>
+            <a:r>
+              <a:rPr lang="en-US" dirty="0" err="1">
+                <a:latin typeface="Courier New" panose="02070309020205020404" pitchFamily="49" charset="0"/>
+                <a:cs typeface="Courier New" panose="02070309020205020404" pitchFamily="49" charset="0"/>
+              </a:rPr>
+              <a:t>max_age</a:t>
+            </a:r>
+            <a:r>
+              <a:rPr lang="en-US">
+                <a:latin typeface="Courier New" panose="02070309020205020404" pitchFamily="49" charset="0"/>
+                <a:cs typeface="Courier New" panose="02070309020205020404" pitchFamily="49" charset="0"/>
+              </a:rPr>
+              <a:t>') </a:t>
+            </a:r>
+            <a:endParaRPr lang="en-US" dirty="0">
+              <a:latin typeface="Courier New" panose="02070309020205020404" pitchFamily="49" charset="0"/>
+              <a:cs typeface="Courier New" panose="02070309020205020404" pitchFamily="49" charset="0"/>
+            </a:endParaRPr>
+          </a:p>
+          <a:p>
+            <a:pPr marL="0" indent="0" fontAlgn="base">
+              <a:buNone/>
+            </a:pPr>
+            <a:r>
+              <a:rPr lang="en-US" dirty="0">
+                <a:latin typeface="Courier New" panose="02070309020205020404" pitchFamily="49" charset="0"/>
+                <a:cs typeface="Courier New" panose="02070309020205020404" pitchFamily="49" charset="0"/>
+              </a:rPr>
+              <a:t>)</a:t>
+            </a:r>
+          </a:p>
+          <a:p>
+            <a:pPr marL="0" indent="0" fontAlgn="base">
+              <a:buNone/>
+            </a:pPr>
+            <a:r>
+              <a:rPr lang="en-US" dirty="0">
+                <a:latin typeface="Courier New" panose="02070309020205020404" pitchFamily="49" charset="0"/>
+                <a:cs typeface="Courier New" panose="02070309020205020404" pitchFamily="49" charset="0"/>
+              </a:rPr>
+              <a:t>&gt;&gt;&gt; df2.show()</a:t>
+            </a:r>
+          </a:p>
+          <a:p>
+            <a:pPr marL="0" indent="0" fontAlgn="base">
+              <a:buNone/>
+            </a:pPr>
+            <a:r>
+              <a:rPr lang="en-US" dirty="0">
+                <a:latin typeface="Courier New" panose="02070309020205020404" pitchFamily="49" charset="0"/>
+                <a:cs typeface="Courier New" panose="02070309020205020404" pitchFamily="49" charset="0"/>
+              </a:rPr>
+              <a:t>+----+-------+-------+</a:t>
+            </a:r>
+          </a:p>
+          <a:p>
+            <a:pPr marL="0" indent="0" fontAlgn="base">
+              <a:buNone/>
+            </a:pPr>
+            <a:r>
+              <a:rPr lang="en-US" dirty="0">
+                <a:latin typeface="Courier New" panose="02070309020205020404" pitchFamily="49" charset="0"/>
+                <a:cs typeface="Courier New" panose="02070309020205020404" pitchFamily="49" charset="0"/>
+              </a:rPr>
+              <a:t>|</a:t>
+            </a:r>
+            <a:r>
+              <a:rPr lang="en-US" dirty="0" err="1">
+                <a:latin typeface="Courier New" panose="02070309020205020404" pitchFamily="49" charset="0"/>
+                <a:cs typeface="Courier New" panose="02070309020205020404" pitchFamily="49" charset="0"/>
+              </a:rPr>
+              <a:t>dept|min_age|max_age</a:t>
+            </a:r>
+            <a:r>
+              <a:rPr lang="en-US" dirty="0">
+                <a:latin typeface="Courier New" panose="02070309020205020404" pitchFamily="49" charset="0"/>
+                <a:cs typeface="Courier New" panose="02070309020205020404" pitchFamily="49" charset="0"/>
+              </a:rPr>
+              <a:t>|</a:t>
+            </a:r>
+          </a:p>
+          <a:p>
+            <a:pPr marL="0" indent="0" fontAlgn="base">
+              <a:buNone/>
+            </a:pPr>
+            <a:r>
+              <a:rPr lang="en-US" dirty="0">
+                <a:latin typeface="Courier New" panose="02070309020205020404" pitchFamily="49" charset="0"/>
+                <a:cs typeface="Courier New" panose="02070309020205020404" pitchFamily="49" charset="0"/>
+              </a:rPr>
+              <a:t>+----+-------+-------+</a:t>
+            </a:r>
+          </a:p>
+          <a:p>
+            <a:pPr marL="0" indent="0" fontAlgn="base">
+              <a:buNone/>
+            </a:pPr>
+            <a:r>
+              <a:rPr lang="en-US" dirty="0">
+                <a:latin typeface="Courier New" panose="02070309020205020404" pitchFamily="49" charset="0"/>
+                <a:cs typeface="Courier New" panose="02070309020205020404" pitchFamily="49" charset="0"/>
+              </a:rPr>
+              <a:t>|   A|      2|     60|</a:t>
+            </a:r>
+          </a:p>
+          <a:p>
+            <a:pPr marL="0" indent="0" fontAlgn="base">
+              <a:buNone/>
+            </a:pPr>
+            <a:r>
+              <a:rPr lang="en-US" dirty="0">
+                <a:latin typeface="Courier New" panose="02070309020205020404" pitchFamily="49" charset="0"/>
+                <a:cs typeface="Courier New" panose="02070309020205020404" pitchFamily="49" charset="0"/>
+              </a:rPr>
+              <a:t>|   B|      4|     90|</a:t>
+            </a:r>
+          </a:p>
+          <a:p>
+            <a:pPr marL="0" indent="0" fontAlgn="base">
+              <a:buNone/>
+            </a:pPr>
+            <a:r>
+              <a:rPr lang="en-US" dirty="0">
+                <a:latin typeface="Courier New" panose="02070309020205020404" pitchFamily="49" charset="0"/>
+                <a:cs typeface="Courier New" panose="02070309020205020404" pitchFamily="49" charset="0"/>
+              </a:rPr>
+              <a:t>+----+-------+-------+</a:t>
+            </a:r>
+          </a:p>
+        </p:txBody>
+      </p:sp>
+      <p:sp>
+        <p:nvSpPr>
+          <p:cNvPr id="5" name="Slide Number Placeholder 4"/>
+          <p:cNvSpPr>
+            <a:spLocks noGrp="1"/>
+          </p:cNvSpPr>
+          <p:nvPr>
+            <p:ph type="sldNum" sz="quarter" idx="4294967295"/>
+          </p:nvPr>
+        </p:nvSpPr>
+        <p:spPr>
+          <a:xfrm>
+            <a:off x="8585200" y="4786313"/>
+            <a:ext cx="558800" cy="273050"/>
+          </a:xfrm>
+          <a:prstGeom prst="rect">
+            <a:avLst/>
+          </a:prstGeom>
+        </p:spPr>
+        <p:txBody>
+          <a:bodyPr/>
+          <a:lstStyle/>
+          <a:p>
+            <a:fld id="{40D15546-3768-674C-81B9-C40A1A080E88}" type="slidenum">
+              <a:rPr lang="en-US" smtClean="0"/>
+              <a:pPr/>
+              <a:t>24</a:t>
+            </a:fld>
+            <a:endParaRPr lang="en-US" dirty="0"/>
+          </a:p>
+        </p:txBody>
+      </p:sp>
+    </p:spTree>
+    <p:extLst>
+      <p:ext uri="{BB962C8B-B14F-4D97-AF65-F5344CB8AC3E}">
+        <p14:creationId xmlns:p14="http://schemas.microsoft.com/office/powerpoint/2010/main" val="1976812249"/>
+      </p:ext>
+    </p:extLst>
+  </p:cSld>
+  <p:clrMapOvr>
+    <a:masterClrMapping/>
+  </p:clrMapOvr>
+</p:sld>
+</file>
+
+<file path=ppt/slides/slide25.xml><?xml version="1.0" encoding="utf-8"?>
+<p:sld xmlns:a="http://schemas.openxmlformats.org/drawingml/2006/main" xmlns:r="http://schemas.openxmlformats.org/officeDocument/2006/relationships" xmlns:p="http://schemas.openxmlformats.org/presentationml/2006/main">
+  <p:cSld>
+    <p:spTree>
+      <p:nvGrpSpPr>
+        <p:cNvPr id="1" name=""/>
+        <p:cNvGrpSpPr/>
+        <p:nvPr/>
+      </p:nvGrpSpPr>
+      <p:grpSpPr>
+        <a:xfrm>
+          <a:off x="0" y="0"/>
+          <a:ext cx="0" cy="0"/>
+          <a:chOff x="0" y="0"/>
+          <a:chExt cx="0" cy="0"/>
+        </a:xfrm>
+      </p:grpSpPr>
+      <p:sp>
+        <p:nvSpPr>
+          <p:cNvPr id="2" name="Title 1"/>
+          <p:cNvSpPr>
+            <a:spLocks noGrp="1"/>
+          </p:cNvSpPr>
+          <p:nvPr>
+            <p:ph type="title"/>
+          </p:nvPr>
+        </p:nvSpPr>
+        <p:spPr>
+          <a:xfrm>
+            <a:off x="628650" y="168377"/>
+            <a:ext cx="7886700" cy="342900"/>
+          </a:xfrm>
+        </p:spPr>
+        <p:txBody>
+          <a:bodyPr>
+            <a:noAutofit/>
+          </a:bodyPr>
+          <a:lstStyle/>
+          <a:p>
+            <a:r>
               <a:rPr lang="en-US" sz="2400" dirty="0"/>
               <a:t>DataFrame Transformations</a:t>
             </a:r>
@@ -13340,7 +14060,7 @@
             <a:fld id="{40D15546-3768-674C-81B9-C40A1A080E88}" type="slidenum">
               <a:rPr lang="en-US" smtClean="0"/>
               <a:pPr/>
-              <a:t>23</a:t>
+              <a:t>25</a:t>
             </a:fld>
             <a:endParaRPr lang="en-US" dirty="0"/>
           </a:p>
